--- a/4th sem/Common for CS,IS,AIML/CY245AT-Computer Networks(CN)/Notes/Unit-2/CN-Unit-2 ns.pptx
+++ b/4th sem/Common for CS,IS,AIML/CY245AT-Computer Networks(CN)/Notes/Unit-2/CN-Unit-2 ns.pptx
@@ -5,7 +5,7 @@
     <p:sldMasterId id="2147483648" r:id="rId1"/>
   </p:sldMasterIdLst>
   <p:notesMasterIdLst>
-    <p:notesMasterId r:id="rId60"/>
+    <p:notesMasterId r:id="rId61"/>
   </p:notesMasterIdLst>
   <p:sldIdLst>
     <p:sldId id="256" r:id="rId2"/>
@@ -61,11 +61,12 @@
     <p:sldId id="324" r:id="rId52"/>
     <p:sldId id="325" r:id="rId53"/>
     <p:sldId id="327" r:id="rId54"/>
-    <p:sldId id="328" r:id="rId55"/>
-    <p:sldId id="329" r:id="rId56"/>
-    <p:sldId id="330" r:id="rId57"/>
-    <p:sldId id="331" r:id="rId58"/>
-    <p:sldId id="271" r:id="rId59"/>
+    <p:sldId id="333" r:id="rId55"/>
+    <p:sldId id="328" r:id="rId56"/>
+    <p:sldId id="329" r:id="rId57"/>
+    <p:sldId id="330" r:id="rId58"/>
+    <p:sldId id="331" r:id="rId59"/>
+    <p:sldId id="271" r:id="rId60"/>
   </p:sldIdLst>
   <p:sldSz cx="12192000" cy="6858000"/>
   <p:notesSz cx="6858000" cy="9144000"/>
@@ -222,6 +223,7 @@
             <p14:sldId id="324"/>
             <p14:sldId id="325"/>
             <p14:sldId id="327"/>
+            <p14:sldId id="333"/>
             <p14:sldId id="328"/>
             <p14:sldId id="329"/>
             <p14:sldId id="330"/>
@@ -320,7 +322,7 @@
           <a:p>
             <a:fld id="{091130B2-F024-4499-82AD-F284AC4C0D14}" type="datetimeFigureOut">
               <a:rPr lang="en-IN" smtClean="0"/>
-              <a:t>07-06-2024</a:t>
+              <a:t>30-09-2024</a:t>
             </a:fld>
             <a:endParaRPr lang="en-IN"/>
           </a:p>
@@ -17583,6 +17585,298 @@
         </p:nvSpPr>
         <p:spPr>
           <a:xfrm>
+            <a:off x="642650" y="889181"/>
+            <a:ext cx="10906702" cy="461665"/>
+          </a:xfrm>
+          <a:prstGeom prst="rect">
+            <a:avLst/>
+          </a:prstGeom>
+          <a:noFill/>
+        </p:spPr>
+        <p:txBody>
+          <a:bodyPr wrap="square">
+            <a:spAutoFit/>
+          </a:bodyPr>
+          <a:lstStyle/>
+          <a:p>
+            <a:pPr>
+              <a:spcAft>
+                <a:spcPts val="600"/>
+              </a:spcAft>
+            </a:pPr>
+            <a:r>
+              <a:rPr lang="en-IN" sz="2300" b="1" dirty="0">
+                <a:solidFill>
+                  <a:srgbClr val="C00000"/>
+                </a:solidFill>
+              </a:rPr>
+              <a:t>Multicast Routing</a:t>
+            </a:r>
+          </a:p>
+        </p:txBody>
+      </p:sp>
+      <p:sp>
+        <p:nvSpPr>
+          <p:cNvPr id="9" name="TextBox 8">
+            <a:extLst>
+              <a:ext uri="{FF2B5EF4-FFF2-40B4-BE49-F238E27FC236}">
+                <a16:creationId xmlns:a16="http://schemas.microsoft.com/office/drawing/2014/main" id="{3C895609-1B21-077F-1DD3-E82218015F8F}"/>
+              </a:ext>
+            </a:extLst>
+          </p:cNvPr>
+          <p:cNvSpPr txBox="1"/>
+          <p:nvPr/>
+        </p:nvSpPr>
+        <p:spPr>
+          <a:xfrm>
+            <a:off x="642650" y="1487649"/>
+            <a:ext cx="10906701" cy="4616648"/>
+          </a:xfrm>
+          <a:prstGeom prst="rect">
+            <a:avLst/>
+          </a:prstGeom>
+          <a:noFill/>
+        </p:spPr>
+        <p:txBody>
+          <a:bodyPr wrap="square">
+            <a:spAutoFit/>
+          </a:bodyPr>
+          <a:lstStyle/>
+          <a:p>
+            <a:pPr marL="285750" indent="-285750" algn="just">
+              <a:spcAft>
+                <a:spcPts val="600"/>
+              </a:spcAft>
+              <a:buFont typeface="Wingdings" panose="05000000000000000000" pitchFamily="2" charset="2"/>
+              <a:buChar char="§"/>
+            </a:pPr>
+            <a:r>
+              <a:rPr lang="en-US" sz="2200" dirty="0"/>
+              <a:t>The process of </a:t>
+            </a:r>
+            <a:r>
+              <a:rPr lang="en-US" sz="2200" dirty="0">
+                <a:solidFill>
+                  <a:srgbClr val="0000FF"/>
+                </a:solidFill>
+              </a:rPr>
+              <a:t>sending a packet from a source to the members of a multicast group is referred to as multicasting</a:t>
+            </a:r>
+          </a:p>
+          <a:p>
+            <a:pPr marL="285750" indent="-285750" algn="just">
+              <a:spcAft>
+                <a:spcPts val="600"/>
+              </a:spcAft>
+              <a:buFont typeface="Wingdings" panose="05000000000000000000" pitchFamily="2" charset="2"/>
+              <a:buChar char="§"/>
+            </a:pPr>
+            <a:r>
+              <a:rPr lang="en-US" sz="2200" dirty="0"/>
+              <a:t>All multicasting schemes require some way to </a:t>
+            </a:r>
+            <a:r>
+              <a:rPr lang="en-US" sz="2200" dirty="0">
+                <a:solidFill>
+                  <a:srgbClr val="0000FF"/>
+                </a:solidFill>
+              </a:rPr>
+              <a:t>create and destroy groups and to identify which routers are members of a group</a:t>
+            </a:r>
+          </a:p>
+          <a:p>
+            <a:pPr marL="285750" indent="-285750" algn="just">
+              <a:spcAft>
+                <a:spcPts val="600"/>
+              </a:spcAft>
+              <a:buFont typeface="Wingdings" panose="05000000000000000000" pitchFamily="2" charset="2"/>
+              <a:buChar char="§"/>
+            </a:pPr>
+            <a:r>
+              <a:rPr lang="en-US" sz="2200" dirty="0"/>
+              <a:t>Each </a:t>
+            </a:r>
+            <a:r>
+              <a:rPr lang="en-US" sz="2200" dirty="0">
+                <a:solidFill>
+                  <a:srgbClr val="0000FF"/>
+                </a:solidFill>
+              </a:rPr>
+              <a:t>group is identified by a multicast address and the routers know the groups to which they belong</a:t>
+            </a:r>
+          </a:p>
+          <a:p>
+            <a:pPr marL="285750" indent="-285750" algn="just">
+              <a:spcAft>
+                <a:spcPts val="600"/>
+              </a:spcAft>
+              <a:buFont typeface="Wingdings" panose="05000000000000000000" pitchFamily="2" charset="2"/>
+              <a:buChar char="§"/>
+            </a:pPr>
+            <a:r>
+              <a:rPr lang="en-US" sz="2200" dirty="0"/>
+              <a:t>There are </a:t>
+            </a:r>
+            <a:r>
+              <a:rPr lang="en-US" sz="2200" dirty="0">
+                <a:solidFill>
+                  <a:srgbClr val="0000FF"/>
+                </a:solidFill>
+              </a:rPr>
+              <a:t>two types of multicast groups- dense and sparse</a:t>
+            </a:r>
+          </a:p>
+          <a:p>
+            <a:pPr marL="285750" indent="-285750" algn="just">
+              <a:spcAft>
+                <a:spcPts val="600"/>
+              </a:spcAft>
+              <a:buClr>
+                <a:srgbClr val="1B2D37"/>
+              </a:buClr>
+              <a:buFont typeface="Wingdings" panose="05000000000000000000" pitchFamily="2" charset="2"/>
+              <a:buChar char="§"/>
+            </a:pPr>
+            <a:r>
+              <a:rPr lang="en-US" sz="2200" dirty="0">
+                <a:solidFill>
+                  <a:srgbClr val="0000FF"/>
+                </a:solidFill>
+              </a:rPr>
+              <a:t>Dense mode</a:t>
+            </a:r>
+            <a:r>
+              <a:rPr lang="en-US" sz="2200" dirty="0">
+                <a:solidFill>
+                  <a:srgbClr val="1B2D37"/>
+                </a:solidFill>
+              </a:rPr>
+              <a:t>: forwards multicast traffic on all interfaces until a downstream router requests us to stop forwarding</a:t>
+            </a:r>
+          </a:p>
+          <a:p>
+            <a:pPr marL="285750" indent="-285750" algn="just">
+              <a:spcAft>
+                <a:spcPts val="600"/>
+              </a:spcAft>
+              <a:buClr>
+                <a:srgbClr val="1B2D37"/>
+              </a:buClr>
+              <a:buFont typeface="Wingdings" panose="05000000000000000000" pitchFamily="2" charset="2"/>
+              <a:buChar char="§"/>
+            </a:pPr>
+            <a:r>
+              <a:rPr lang="en-US" sz="2200" dirty="0">
+                <a:solidFill>
+                  <a:srgbClr val="0000FF"/>
+                </a:solidFill>
+              </a:rPr>
+              <a:t>Sparse mode</a:t>
+            </a:r>
+            <a:r>
+              <a:rPr lang="en-US" sz="2200" dirty="0">
+                <a:solidFill>
+                  <a:srgbClr val="1B2D37"/>
+                </a:solidFill>
+              </a:rPr>
+              <a:t>: don’t forward multicast traffic on any interface until a downstream router requests us to forward it.</a:t>
+            </a:r>
+          </a:p>
+          <a:p>
+            <a:pPr marL="285750" indent="-285750" algn="just">
+              <a:spcAft>
+                <a:spcPts val="600"/>
+              </a:spcAft>
+              <a:buFont typeface="Wingdings" panose="05000000000000000000" pitchFamily="2" charset="2"/>
+              <a:buChar char="§"/>
+            </a:pPr>
+            <a:r>
+              <a:rPr lang="en-US" sz="2200" dirty="0"/>
+              <a:t>Mechanism used is Pruning the spanning tree</a:t>
+            </a:r>
+          </a:p>
+        </p:txBody>
+      </p:sp>
+    </p:spTree>
+    <p:extLst>
+      <p:ext uri="{BB962C8B-B14F-4D97-AF65-F5344CB8AC3E}">
+        <p14:creationId xmlns:p14="http://schemas.microsoft.com/office/powerpoint/2010/main" val="1989280652"/>
+      </p:ext>
+    </p:extLst>
+  </p:cSld>
+  <p:clrMapOvr>
+    <a:masterClrMapping/>
+  </p:clrMapOvr>
+</p:sld>
+</file>
+
+<file path=ppt/slides/slide55.xml><?xml version="1.0" encoding="utf-8"?>
+<p:sld xmlns:a="http://schemas.openxmlformats.org/drawingml/2006/main" xmlns:r="http://schemas.openxmlformats.org/officeDocument/2006/relationships" xmlns:p="http://schemas.openxmlformats.org/presentationml/2006/main">
+  <p:cSld>
+    <p:spTree>
+      <p:nvGrpSpPr>
+        <p:cNvPr id="1" name=""/>
+        <p:cNvGrpSpPr/>
+        <p:nvPr/>
+      </p:nvGrpSpPr>
+      <p:grpSpPr>
+        <a:xfrm>
+          <a:off x="0" y="0"/>
+          <a:ext cx="0" cy="0"/>
+          <a:chOff x="0" y="0"/>
+          <a:chExt cx="0" cy="0"/>
+        </a:xfrm>
+      </p:grpSpPr>
+      <p:sp>
+        <p:nvSpPr>
+          <p:cNvPr id="2" name="Title 1">
+            <a:extLst>
+              <a:ext uri="{FF2B5EF4-FFF2-40B4-BE49-F238E27FC236}">
+                <a16:creationId xmlns:a16="http://schemas.microsoft.com/office/drawing/2014/main" id="{22AF8A9F-6941-9868-D735-B4A50E5D576C}"/>
+              </a:ext>
+            </a:extLst>
+          </p:cNvPr>
+          <p:cNvSpPr>
+            <a:spLocks noGrp="1"/>
+          </p:cNvSpPr>
+          <p:nvPr>
+            <p:ph type="title"/>
+          </p:nvPr>
+        </p:nvSpPr>
+        <p:spPr>
+          <a:xfrm>
+            <a:off x="693421" y="133798"/>
+            <a:ext cx="10805160" cy="618581"/>
+          </a:xfrm>
+        </p:spPr>
+        <p:txBody>
+          <a:bodyPr>
+            <a:normAutofit/>
+          </a:bodyPr>
+          <a:lstStyle/>
+          <a:p>
+            <a:r>
+              <a:rPr lang="en-US" dirty="0"/>
+              <a:t>Routing Algorithms (Contd.)</a:t>
+            </a:r>
+            <a:endParaRPr lang="en-IN" dirty="0"/>
+          </a:p>
+        </p:txBody>
+      </p:sp>
+      <p:sp>
+        <p:nvSpPr>
+          <p:cNvPr id="4" name="TextBox 3">
+            <a:extLst>
+              <a:ext uri="{FF2B5EF4-FFF2-40B4-BE49-F238E27FC236}">
+                <a16:creationId xmlns:a16="http://schemas.microsoft.com/office/drawing/2014/main" id="{10F49791-E169-FC14-2F87-8D5F316B0D72}"/>
+              </a:ext>
+            </a:extLst>
+          </p:cNvPr>
+          <p:cNvSpPr txBox="1"/>
+          <p:nvPr/>
+        </p:nvSpPr>
+        <p:spPr>
+          <a:xfrm>
             <a:off x="642649" y="644227"/>
             <a:ext cx="10906702" cy="461665"/>
           </a:xfrm>
@@ -17818,311 +18112,6 @@
 </p:sld>
 </file>
 
-<file path=ppt/slides/slide55.xml><?xml version="1.0" encoding="utf-8"?>
-<p:sld xmlns:a="http://schemas.openxmlformats.org/drawingml/2006/main" xmlns:r="http://schemas.openxmlformats.org/officeDocument/2006/relationships" xmlns:p="http://schemas.openxmlformats.org/presentationml/2006/main">
-  <p:cSld>
-    <p:spTree>
-      <p:nvGrpSpPr>
-        <p:cNvPr id="1" name=""/>
-        <p:cNvGrpSpPr/>
-        <p:nvPr/>
-      </p:nvGrpSpPr>
-      <p:grpSpPr>
-        <a:xfrm>
-          <a:off x="0" y="0"/>
-          <a:ext cx="0" cy="0"/>
-          <a:chOff x="0" y="0"/>
-          <a:chExt cx="0" cy="0"/>
-        </a:xfrm>
-      </p:grpSpPr>
-      <p:sp>
-        <p:nvSpPr>
-          <p:cNvPr id="2" name="Title 1">
-            <a:extLst>
-              <a:ext uri="{FF2B5EF4-FFF2-40B4-BE49-F238E27FC236}">
-                <a16:creationId xmlns:a16="http://schemas.microsoft.com/office/drawing/2014/main" id="{22AF8A9F-6941-9868-D735-B4A50E5D576C}"/>
-              </a:ext>
-            </a:extLst>
-          </p:cNvPr>
-          <p:cNvSpPr>
-            <a:spLocks noGrp="1"/>
-          </p:cNvSpPr>
-          <p:nvPr>
-            <p:ph type="title"/>
-          </p:nvPr>
-        </p:nvSpPr>
-        <p:spPr>
-          <a:xfrm>
-            <a:off x="693421" y="133798"/>
-            <a:ext cx="10805160" cy="618581"/>
-          </a:xfrm>
-        </p:spPr>
-        <p:txBody>
-          <a:bodyPr>
-            <a:normAutofit/>
-          </a:bodyPr>
-          <a:lstStyle/>
-          <a:p>
-            <a:r>
-              <a:rPr lang="en-US" dirty="0"/>
-              <a:t>Routing Algorithms (Contd.)</a:t>
-            </a:r>
-            <a:endParaRPr lang="en-IN" dirty="0"/>
-          </a:p>
-        </p:txBody>
-      </p:sp>
-      <p:sp>
-        <p:nvSpPr>
-          <p:cNvPr id="4" name="TextBox 3">
-            <a:extLst>
-              <a:ext uri="{FF2B5EF4-FFF2-40B4-BE49-F238E27FC236}">
-                <a16:creationId xmlns:a16="http://schemas.microsoft.com/office/drawing/2014/main" id="{10F49791-E169-FC14-2F87-8D5F316B0D72}"/>
-              </a:ext>
-            </a:extLst>
-          </p:cNvPr>
-          <p:cNvSpPr txBox="1"/>
-          <p:nvPr/>
-        </p:nvSpPr>
-        <p:spPr>
-          <a:xfrm>
-            <a:off x="602037" y="784455"/>
-            <a:ext cx="10906702" cy="446276"/>
-          </a:xfrm>
-          <a:prstGeom prst="rect">
-            <a:avLst/>
-          </a:prstGeom>
-          <a:noFill/>
-        </p:spPr>
-        <p:txBody>
-          <a:bodyPr wrap="square">
-            <a:spAutoFit/>
-          </a:bodyPr>
-          <a:lstStyle/>
-          <a:p>
-            <a:pPr>
-              <a:spcAft>
-                <a:spcPts val="600"/>
-              </a:spcAft>
-            </a:pPr>
-            <a:r>
-              <a:rPr lang="en-IN" sz="2300" b="1" dirty="0">
-                <a:solidFill>
-                  <a:srgbClr val="C00000"/>
-                </a:solidFill>
-              </a:rPr>
-              <a:t>Multicast Routing: </a:t>
-            </a:r>
-            <a:r>
-              <a:rPr lang="en-US" sz="2300" b="1" dirty="0">
-                <a:solidFill>
-                  <a:srgbClr val="C00000"/>
-                </a:solidFill>
-              </a:rPr>
-              <a:t>Ways to Prune a spanning Tree </a:t>
-            </a:r>
-            <a:endParaRPr lang="en-IN" sz="2300" b="1" dirty="0">
-              <a:solidFill>
-                <a:srgbClr val="C00000"/>
-              </a:solidFill>
-            </a:endParaRPr>
-          </a:p>
-        </p:txBody>
-      </p:sp>
-      <p:sp>
-        <p:nvSpPr>
-          <p:cNvPr id="9" name="TextBox 8">
-            <a:extLst>
-              <a:ext uri="{FF2B5EF4-FFF2-40B4-BE49-F238E27FC236}">
-                <a16:creationId xmlns:a16="http://schemas.microsoft.com/office/drawing/2014/main" id="{3C895609-1B21-077F-1DD3-E82218015F8F}"/>
-              </a:ext>
-            </a:extLst>
-          </p:cNvPr>
-          <p:cNvSpPr txBox="1"/>
-          <p:nvPr/>
-        </p:nvSpPr>
-        <p:spPr>
-          <a:xfrm>
-            <a:off x="642649" y="1358501"/>
-            <a:ext cx="10906701" cy="4555093"/>
-          </a:xfrm>
-          <a:prstGeom prst="rect">
-            <a:avLst/>
-          </a:prstGeom>
-          <a:noFill/>
-        </p:spPr>
-        <p:txBody>
-          <a:bodyPr wrap="square">
-            <a:spAutoFit/>
-          </a:bodyPr>
-          <a:lstStyle/>
-          <a:p>
-            <a:pPr marL="285750" indent="-285750">
-              <a:spcAft>
-                <a:spcPts val="600"/>
-              </a:spcAft>
-              <a:buFont typeface="Wingdings" panose="05000000000000000000" pitchFamily="2" charset="2"/>
-              <a:buChar char="§"/>
-            </a:pPr>
-            <a:r>
-              <a:rPr lang="en-US" sz="2200" b="0" i="0" dirty="0">
-                <a:solidFill>
-                  <a:srgbClr val="0000FF"/>
-                </a:solidFill>
-                <a:effectLst/>
-              </a:rPr>
-              <a:t>Using Link state routing algorithm- </a:t>
-            </a:r>
-            <a:r>
-              <a:rPr lang="en-US" sz="2200" b="0" i="0" dirty="0">
-                <a:solidFill>
-                  <a:srgbClr val="000000"/>
-                </a:solidFill>
-                <a:effectLst/>
-              </a:rPr>
-              <a:t>each router is aware of the complete topology, including which hosts belong to which groups.</a:t>
-            </a:r>
-          </a:p>
-          <a:p>
-            <a:pPr marL="606425" indent="-342900">
-              <a:spcAft>
-                <a:spcPts val="600"/>
-              </a:spcAft>
-              <a:buFont typeface="Calibri" panose="020F0502020204030204" pitchFamily="34" charset="0"/>
-              <a:buChar char="—"/>
-            </a:pPr>
-            <a:r>
-              <a:rPr lang="en-US" sz="2100" dirty="0">
-                <a:solidFill>
-                  <a:srgbClr val="0000FF"/>
-                </a:solidFill>
-              </a:rPr>
-              <a:t>Each router can then construct its own pruned spanning tree for each sender to the group</a:t>
-            </a:r>
-          </a:p>
-          <a:p>
-            <a:pPr marL="606425" indent="-342900">
-              <a:spcAft>
-                <a:spcPts val="1200"/>
-              </a:spcAft>
-              <a:buFont typeface="Calibri" panose="020F0502020204030204" pitchFamily="34" charset="0"/>
-              <a:buChar char="—"/>
-            </a:pPr>
-            <a:r>
-              <a:rPr lang="en-US" sz="2100" dirty="0">
-                <a:solidFill>
-                  <a:srgbClr val="0000FF"/>
-                </a:solidFill>
-              </a:rPr>
-              <a:t>MOSPF (Multicast OSPF) is a multicast algorithm based on this</a:t>
-            </a:r>
-          </a:p>
-          <a:p>
-            <a:pPr marL="342900" indent="-342900" algn="just">
-              <a:spcAft>
-                <a:spcPts val="600"/>
-              </a:spcAft>
-              <a:buFont typeface="Wingdings" panose="05000000000000000000" pitchFamily="2" charset="2"/>
-              <a:buChar char="§"/>
-            </a:pPr>
-            <a:r>
-              <a:rPr lang="en-US" sz="2200" dirty="0">
-                <a:solidFill>
-                  <a:srgbClr val="0000FF"/>
-                </a:solidFill>
-              </a:rPr>
-              <a:t>Using Distance Vector routing- </a:t>
-            </a:r>
-            <a:r>
-              <a:rPr lang="en-US" sz="2200" dirty="0">
-                <a:solidFill>
-                  <a:srgbClr val="000000"/>
-                </a:solidFill>
-              </a:rPr>
-              <a:t>basic algorithm used is reverse path forwarding </a:t>
-            </a:r>
-          </a:p>
-          <a:p>
-            <a:pPr marL="627063" lvl="1" indent="-361950" algn="just">
-              <a:spcAft>
-                <a:spcPts val="600"/>
-              </a:spcAft>
-              <a:buFont typeface="Calibri" panose="020F0502020204030204" pitchFamily="34" charset="0"/>
-              <a:buChar char="—"/>
-            </a:pPr>
-            <a:r>
-              <a:rPr lang="en-US" sz="2100" dirty="0">
-                <a:solidFill>
-                  <a:srgbClr val="000000"/>
-                </a:solidFill>
-              </a:rPr>
-              <a:t>Whenever a router with no hosts interested in a particular group and no connections to other routers receives a multicast message for that group, it responds with a </a:t>
-            </a:r>
-            <a:r>
-              <a:rPr lang="en-US" sz="2100" dirty="0">
-                <a:solidFill>
-                  <a:srgbClr val="0000FF"/>
-                </a:solidFill>
-              </a:rPr>
-              <a:t>PRUNE</a:t>
-            </a:r>
-            <a:r>
-              <a:rPr lang="en-US" sz="2100" dirty="0">
-                <a:solidFill>
-                  <a:srgbClr val="000000"/>
-                </a:solidFill>
-              </a:rPr>
-              <a:t> message telling the neighbor that send the message not to send it any more multicasts from the sender for that group</a:t>
-            </a:r>
-          </a:p>
-          <a:p>
-            <a:pPr marL="627063" lvl="1" indent="-361950" algn="just">
-              <a:spcAft>
-                <a:spcPts val="600"/>
-              </a:spcAft>
-              <a:buFont typeface="Calibri" panose="020F0502020204030204" pitchFamily="34" charset="0"/>
-              <a:buChar char="—"/>
-            </a:pPr>
-            <a:r>
-              <a:rPr lang="en-US" sz="2100" dirty="0">
-                <a:solidFill>
-                  <a:srgbClr val="000000"/>
-                </a:solidFill>
-              </a:rPr>
-              <a:t>When a router with no group members among its own hosts has received such messages on all the lines to which it sends the multicast, it, too, can respond with a PRUNE message</a:t>
-            </a:r>
-          </a:p>
-          <a:p>
-            <a:pPr marL="627063" lvl="1" indent="-361950" algn="just">
-              <a:spcAft>
-                <a:spcPts val="600"/>
-              </a:spcAft>
-              <a:buFont typeface="Calibri" panose="020F0502020204030204" pitchFamily="34" charset="0"/>
-              <a:buChar char="—"/>
-            </a:pPr>
-            <a:r>
-              <a:rPr lang="en-IN" sz="2100" dirty="0">
-                <a:solidFill>
-                  <a:srgbClr val="000000"/>
-                </a:solidFill>
-              </a:rPr>
-              <a:t>DVMRP (Distance Vector Multicast Routing Protocol) </a:t>
-            </a:r>
-          </a:p>
-        </p:txBody>
-      </p:sp>
-    </p:spTree>
-    <p:extLst>
-      <p:ext uri="{BB962C8B-B14F-4D97-AF65-F5344CB8AC3E}">
-        <p14:creationId xmlns:p14="http://schemas.microsoft.com/office/powerpoint/2010/main" val="3665043796"/>
-      </p:ext>
-    </p:extLst>
-  </p:cSld>
-  <p:clrMapOvr>
-    <a:masterClrMapping/>
-  </p:clrMapOvr>
-</p:sld>
-</file>
-
 <file path=ppt/slides/slide56.xml><?xml version="1.0" encoding="utf-8"?>
 <p:sld xmlns:a="http://schemas.openxmlformats.org/drawingml/2006/main" xmlns:r="http://schemas.openxmlformats.org/officeDocument/2006/relationships" xmlns:p="http://schemas.openxmlformats.org/presentationml/2006/main">
   <p:cSld>
@@ -18247,8 +18236,8 @@
         </p:nvSpPr>
         <p:spPr>
           <a:xfrm>
-            <a:off x="650269" y="1191688"/>
-            <a:ext cx="10906701" cy="2031325"/>
+            <a:off x="642649" y="1358501"/>
+            <a:ext cx="10906701" cy="4555093"/>
           </a:xfrm>
           <a:prstGeom prst="rect">
             <a:avLst/>
@@ -18261,7 +18250,7 @@
           </a:bodyPr>
           <a:lstStyle/>
           <a:p>
-            <a:pPr marL="342900" indent="-342900">
+            <a:pPr marL="285750" indent="-285750">
               <a:spcAft>
                 <a:spcPts val="600"/>
               </a:spcAft>
@@ -18269,31 +18258,14 @@
               <a:buChar char="§"/>
             </a:pPr>
             <a:r>
-              <a:rPr lang="en-IN" sz="2300" b="0" i="0" dirty="0">
+              <a:rPr lang="en-US" sz="2200" b="0" i="0" dirty="0">
                 <a:solidFill>
                   <a:srgbClr val="0000FF"/>
                 </a:solidFill>
                 <a:effectLst/>
               </a:rPr>
-              <a:t>Disadvantages of Pruning</a:t>
-            </a:r>
-            <a:r>
-              <a:rPr lang="en-IN" sz="2300" dirty="0">
-                <a:solidFill>
-                  <a:srgbClr val="0000FF"/>
-                </a:solidFill>
-              </a:rPr>
-              <a:t> </a:t>
-            </a:r>
-          </a:p>
-          <a:p>
-            <a:pPr marL="698500" lvl="1" indent="-342900" algn="just">
-              <a:spcAft>
-                <a:spcPts val="600"/>
-              </a:spcAft>
-              <a:buFont typeface="Arial" panose="020B0604020202020204" pitchFamily="34" charset="0"/>
-              <a:buChar char="•"/>
-            </a:pPr>
+              <a:t>Using Link state routing algorithm- </a:t>
+            </a:r>
             <a:r>
               <a:rPr lang="en-US" sz="2200" b="0" i="0" dirty="0">
                 <a:solidFill>
@@ -18301,166 +18273,45 @@
                 </a:solidFill>
                 <a:effectLst/>
               </a:rPr>
-              <a:t>Involves lots of </a:t>
-            </a:r>
-            <a:r>
-              <a:rPr lang="en-US" sz="2200" b="0" i="0" dirty="0">
-                <a:solidFill>
-                  <a:srgbClr val="0000FF"/>
-                </a:solidFill>
-                <a:effectLst/>
-              </a:rPr>
-              <a:t>work for routers</a:t>
-            </a:r>
-            <a:r>
-              <a:rPr lang="en-US" sz="2200" b="0" i="0" dirty="0">
-                <a:solidFill>
-                  <a:srgbClr val="000000"/>
-                </a:solidFill>
-                <a:effectLst/>
-              </a:rPr>
-              <a:t>, </a:t>
-            </a:r>
-            <a:r>
-              <a:rPr lang="en-US" sz="2200" b="0" i="0" dirty="0">
-                <a:solidFill>
-                  <a:srgbClr val="0000FF"/>
-                </a:solidFill>
-                <a:effectLst/>
-              </a:rPr>
-              <a:t>especially for large networks</a:t>
-            </a:r>
-          </a:p>
-          <a:p>
-            <a:pPr marL="698500" lvl="1" indent="-342900" algn="just">
-              <a:spcAft>
-                <a:spcPts val="600"/>
-              </a:spcAft>
-              <a:buFont typeface="Arial" panose="020B0604020202020204" pitchFamily="34" charset="0"/>
-              <a:buChar char="•"/>
-            </a:pPr>
-            <a:r>
-              <a:rPr lang="en-US" sz="2200" b="0" i="0" dirty="0">
-                <a:solidFill>
-                  <a:srgbClr val="000000"/>
-                </a:solidFill>
-                <a:effectLst/>
-              </a:rPr>
-              <a:t>For example, there are </a:t>
-            </a:r>
-            <a:r>
-              <a:rPr lang="en-US" sz="2200" b="0" i="0" dirty="0">
-                <a:solidFill>
-                  <a:srgbClr val="0000FF"/>
-                </a:solidFill>
-                <a:effectLst/>
-              </a:rPr>
-              <a:t>n</a:t>
-            </a:r>
-            <a:r>
-              <a:rPr lang="en-US" sz="2200" b="0" i="0" dirty="0">
-                <a:solidFill>
-                  <a:srgbClr val="000000"/>
-                </a:solidFill>
-                <a:effectLst/>
-              </a:rPr>
-              <a:t> groups with average of </a:t>
-            </a:r>
-            <a:r>
-              <a:rPr lang="en-US" sz="2200" b="0" i="0" dirty="0">
-                <a:solidFill>
-                  <a:srgbClr val="0000FF"/>
-                </a:solidFill>
-                <a:effectLst/>
-              </a:rPr>
-              <a:t>m</a:t>
-            </a:r>
-            <a:r>
-              <a:rPr lang="en-US" sz="2200" b="0" i="0" dirty="0">
-                <a:solidFill>
-                  <a:srgbClr val="000000"/>
-                </a:solidFill>
-                <a:effectLst/>
-              </a:rPr>
-              <a:t> nodes in each group, each router and for each group, m pruned spanning trees must be stored, for a total of </a:t>
-            </a:r>
-            <a:r>
-              <a:rPr lang="en-US" sz="2200" b="0" i="0" dirty="0">
-                <a:solidFill>
-                  <a:srgbClr val="0000FF"/>
-                </a:solidFill>
-                <a:effectLst/>
-              </a:rPr>
-              <a:t>m*n </a:t>
-            </a:r>
-            <a:r>
-              <a:rPr lang="en-US" sz="2200" b="0" i="0" dirty="0">
-                <a:solidFill>
-                  <a:srgbClr val="000000"/>
-                </a:solidFill>
-                <a:effectLst/>
-              </a:rPr>
-              <a:t>trees </a:t>
-            </a:r>
-          </a:p>
-          <a:p>
-            <a:pPr marL="698500" lvl="1" indent="-342900" algn="just">
-              <a:spcAft>
-                <a:spcPts val="600"/>
-              </a:spcAft>
-              <a:buFont typeface="Arial" panose="020B0604020202020204" pitchFamily="34" charset="0"/>
-              <a:buChar char="•"/>
-            </a:pPr>
-            <a:r>
-              <a:rPr lang="en-US" sz="2200" b="0" i="0" dirty="0">
-                <a:solidFill>
-                  <a:srgbClr val="000000"/>
-                </a:solidFill>
-                <a:effectLst/>
-              </a:rPr>
-              <a:t>Considerable storage is needed to store all the trees</a:t>
-            </a:r>
-            <a:r>
-              <a:rPr lang="en-US" sz="2200" dirty="0"/>
-              <a:t> </a:t>
-            </a:r>
-            <a:endParaRPr lang="en-IN" sz="2300" dirty="0">
-              <a:solidFill>
-                <a:srgbClr val="000000"/>
-              </a:solidFill>
-            </a:endParaRPr>
-          </a:p>
-        </p:txBody>
-      </p:sp>
-      <p:sp>
-        <p:nvSpPr>
-          <p:cNvPr id="5" name="TextBox 4">
-            <a:extLst>
-              <a:ext uri="{FF2B5EF4-FFF2-40B4-BE49-F238E27FC236}">
-                <a16:creationId xmlns:a16="http://schemas.microsoft.com/office/drawing/2014/main" id="{BC77AED3-CD66-DFC7-BE22-49C2598343AD}"/>
-              </a:ext>
-            </a:extLst>
-          </p:cNvPr>
-          <p:cNvSpPr txBox="1"/>
-          <p:nvPr/>
-        </p:nvSpPr>
-        <p:spPr>
-          <a:xfrm>
-            <a:off x="591880" y="3223013"/>
-            <a:ext cx="10906701" cy="1477328"/>
-          </a:xfrm>
-          <a:prstGeom prst="rect">
-            <a:avLst/>
-          </a:prstGeom>
-          <a:noFill/>
-        </p:spPr>
-        <p:txBody>
-          <a:bodyPr wrap="square">
-            <a:spAutoFit/>
-          </a:bodyPr>
-          <a:lstStyle/>
-          <a:p>
-            <a:pPr marL="285750" indent="-285750">
+              <a:t>each router is aware of the complete topology, including which hosts belong to which groups.</a:t>
+            </a:r>
+          </a:p>
+          <a:p>
+            <a:pPr marL="606425" indent="-342900">
+              <a:spcAft>
+                <a:spcPts val="600"/>
+              </a:spcAft>
+              <a:buFont typeface="Calibri" panose="020F0502020204030204" pitchFamily="34" charset="0"/>
+              <a:buChar char="—"/>
+            </a:pPr>
+            <a:r>
+              <a:rPr lang="en-US" sz="2100" dirty="0">
+                <a:solidFill>
+                  <a:srgbClr val="0000FF"/>
+                </a:solidFill>
+              </a:rPr>
+              <a:t>Each router can then construct its own pruned spanning tree for each sender to the group</a:t>
+            </a:r>
+          </a:p>
+          <a:p>
+            <a:pPr marL="606425" indent="-342900">
+              <a:spcAft>
+                <a:spcPts val="1200"/>
+              </a:spcAft>
+              <a:buFont typeface="Calibri" panose="020F0502020204030204" pitchFamily="34" charset="0"/>
+              <a:buChar char="—"/>
+            </a:pPr>
+            <a:r>
+              <a:rPr lang="en-US" sz="2100" dirty="0">
+                <a:solidFill>
+                  <a:srgbClr val="0000FF"/>
+                </a:solidFill>
+              </a:rPr>
+              <a:t>MOSPF (Multicast OSPF) is a multicast algorithm based on this</a:t>
+            </a:r>
+          </a:p>
+          <a:p>
+            <a:pPr marL="342900" indent="-342900" algn="just">
               <a:spcAft>
                 <a:spcPts val="600"/>
               </a:spcAft>
@@ -18468,79 +18319,95 @@
               <a:buChar char="§"/>
             </a:pPr>
             <a:r>
-              <a:rPr lang="en-US" sz="2300" b="1" i="0" dirty="0">
+              <a:rPr lang="en-US" sz="2200" dirty="0">
+                <a:solidFill>
+                  <a:srgbClr val="0000FF"/>
+                </a:solidFill>
+              </a:rPr>
+              <a:t>Using Distance Vector routing- </a:t>
+            </a:r>
+            <a:r>
+              <a:rPr lang="en-US" sz="2200" dirty="0">
                 <a:solidFill>
                   <a:srgbClr val="000000"/>
                 </a:solidFill>
-                <a:effectLst/>
-              </a:rPr>
-              <a:t>Core-based trees to compute a single spanning tree for the group</a:t>
-            </a:r>
-            <a:endParaRPr lang="en-US" sz="2300" dirty="0">
-              <a:solidFill>
-                <a:srgbClr val="000000"/>
-              </a:solidFill>
-            </a:endParaRPr>
-          </a:p>
-          <a:p>
-            <a:pPr marL="606425" lvl="1" indent="-342900">
-              <a:buFont typeface="Arial" panose="020B0604020202020204" pitchFamily="34" charset="0"/>
-              <a:buChar char="•"/>
-            </a:pPr>
-            <a:r>
-              <a:rPr lang="en-US" sz="2200" b="0" i="0" dirty="0">
+              </a:rPr>
+              <a:t>basic algorithm used is reverse path forwarding </a:t>
+            </a:r>
+          </a:p>
+          <a:p>
+            <a:pPr marL="627063" lvl="1" indent="-361950" algn="just">
+              <a:spcAft>
+                <a:spcPts val="600"/>
+              </a:spcAft>
+              <a:buFont typeface="Calibri" panose="020F0502020204030204" pitchFamily="34" charset="0"/>
+              <a:buChar char="—"/>
+            </a:pPr>
+            <a:r>
+              <a:rPr lang="en-US" sz="2100" dirty="0">
                 <a:solidFill>
                   <a:srgbClr val="000000"/>
                 </a:solidFill>
-                <a:effectLst/>
-              </a:rPr>
-              <a:t>All of the routers agree on a root (called the core or rendezvous point) and build the tree by sending a packet from each member to the root</a:t>
-            </a:r>
-            <a:r>
-              <a:rPr lang="en-US" sz="2200" dirty="0"/>
-              <a:t> </a:t>
-            </a:r>
-            <a:br>
-              <a:rPr lang="en-US" dirty="0"/>
-            </a:br>
-            <a:endParaRPr lang="en-IN" dirty="0"/>
-          </a:p>
-        </p:txBody>
-      </p:sp>
-      <p:pic>
-        <p:nvPicPr>
-          <p:cNvPr id="7" name="Picture 6">
-            <a:extLst>
-              <a:ext uri="{FF2B5EF4-FFF2-40B4-BE49-F238E27FC236}">
-                <a16:creationId xmlns:a16="http://schemas.microsoft.com/office/drawing/2014/main" id="{B92CB66A-F501-8DA8-38C5-7951E4643DC9}"/>
-              </a:ext>
-            </a:extLst>
-          </p:cNvPr>
-          <p:cNvPicPr>
-            <a:picLocks noChangeAspect="1"/>
-          </p:cNvPicPr>
-          <p:nvPr/>
-        </p:nvPicPr>
-        <p:blipFill>
-          <a:blip r:embed="rId2"/>
-          <a:stretch>
-            <a:fillRect/>
-          </a:stretch>
-        </p:blipFill>
-        <p:spPr>
-          <a:xfrm>
-            <a:off x="2814320" y="4410562"/>
-            <a:ext cx="5679440" cy="2075871"/>
-          </a:xfrm>
-          <a:prstGeom prst="rect">
-            <a:avLst/>
-          </a:prstGeom>
-        </p:spPr>
-      </p:pic>
+              </a:rPr>
+              <a:t>Whenever a router with no hosts interested in a particular group and no connections to other routers receives a multicast message for that group, it responds with a </a:t>
+            </a:r>
+            <a:r>
+              <a:rPr lang="en-US" sz="2100" dirty="0">
+                <a:solidFill>
+                  <a:srgbClr val="0000FF"/>
+                </a:solidFill>
+              </a:rPr>
+              <a:t>PRUNE</a:t>
+            </a:r>
+            <a:r>
+              <a:rPr lang="en-US" sz="2100" dirty="0">
+                <a:solidFill>
+                  <a:srgbClr val="000000"/>
+                </a:solidFill>
+              </a:rPr>
+              <a:t> message telling the neighbor that send the message not to send it any more multicasts from the sender for that group</a:t>
+            </a:r>
+          </a:p>
+          <a:p>
+            <a:pPr marL="627063" lvl="1" indent="-361950" algn="just">
+              <a:spcAft>
+                <a:spcPts val="600"/>
+              </a:spcAft>
+              <a:buFont typeface="Calibri" panose="020F0502020204030204" pitchFamily="34" charset="0"/>
+              <a:buChar char="—"/>
+            </a:pPr>
+            <a:r>
+              <a:rPr lang="en-US" sz="2100" dirty="0">
+                <a:solidFill>
+                  <a:srgbClr val="000000"/>
+                </a:solidFill>
+              </a:rPr>
+              <a:t>When a router with no group members among its own hosts has received such messages on all the lines to which it sends the multicast, it, too, can respond with a PRUNE message</a:t>
+            </a:r>
+          </a:p>
+          <a:p>
+            <a:pPr marL="627063" lvl="1" indent="-361950" algn="just">
+              <a:spcAft>
+                <a:spcPts val="600"/>
+              </a:spcAft>
+              <a:buFont typeface="Calibri" panose="020F0502020204030204" pitchFamily="34" charset="0"/>
+              <a:buChar char="—"/>
+            </a:pPr>
+            <a:r>
+              <a:rPr lang="en-IN" sz="2100" dirty="0">
+                <a:solidFill>
+                  <a:srgbClr val="000000"/>
+                </a:solidFill>
+              </a:rPr>
+              <a:t>DVMRP (Distance Vector Multicast Routing Protocol) </a:t>
+            </a:r>
+          </a:p>
+        </p:txBody>
+      </p:sp>
     </p:spTree>
     <p:extLst>
       <p:ext uri="{BB962C8B-B14F-4D97-AF65-F5344CB8AC3E}">
-        <p14:creationId xmlns:p14="http://schemas.microsoft.com/office/powerpoint/2010/main" val="2263410548"/>
+        <p14:creationId xmlns:p14="http://schemas.microsoft.com/office/powerpoint/2010/main" val="3665043796"/>
       </p:ext>
     </p:extLst>
   </p:cSld>
@@ -18662,6 +18529,433 @@
       </p:sp>
       <p:sp>
         <p:nvSpPr>
+          <p:cNvPr id="9" name="TextBox 8">
+            <a:extLst>
+              <a:ext uri="{FF2B5EF4-FFF2-40B4-BE49-F238E27FC236}">
+                <a16:creationId xmlns:a16="http://schemas.microsoft.com/office/drawing/2014/main" id="{3C895609-1B21-077F-1DD3-E82218015F8F}"/>
+              </a:ext>
+            </a:extLst>
+          </p:cNvPr>
+          <p:cNvSpPr txBox="1"/>
+          <p:nvPr/>
+        </p:nvSpPr>
+        <p:spPr>
+          <a:xfrm>
+            <a:off x="650269" y="1191688"/>
+            <a:ext cx="10906701" cy="2031325"/>
+          </a:xfrm>
+          <a:prstGeom prst="rect">
+            <a:avLst/>
+          </a:prstGeom>
+          <a:noFill/>
+        </p:spPr>
+        <p:txBody>
+          <a:bodyPr wrap="square">
+            <a:spAutoFit/>
+          </a:bodyPr>
+          <a:lstStyle/>
+          <a:p>
+            <a:pPr marL="342900" indent="-342900">
+              <a:spcAft>
+                <a:spcPts val="600"/>
+              </a:spcAft>
+              <a:buFont typeface="Wingdings" panose="05000000000000000000" pitchFamily="2" charset="2"/>
+              <a:buChar char="§"/>
+            </a:pPr>
+            <a:r>
+              <a:rPr lang="en-IN" sz="2300" b="0" i="0" dirty="0">
+                <a:solidFill>
+                  <a:srgbClr val="0000FF"/>
+                </a:solidFill>
+                <a:effectLst/>
+              </a:rPr>
+              <a:t>Disadvantages of Pruning</a:t>
+            </a:r>
+            <a:r>
+              <a:rPr lang="en-IN" sz="2300" dirty="0">
+                <a:solidFill>
+                  <a:srgbClr val="0000FF"/>
+                </a:solidFill>
+              </a:rPr>
+              <a:t> </a:t>
+            </a:r>
+          </a:p>
+          <a:p>
+            <a:pPr marL="698500" lvl="1" indent="-342900" algn="just">
+              <a:spcAft>
+                <a:spcPts val="600"/>
+              </a:spcAft>
+              <a:buFont typeface="Arial" panose="020B0604020202020204" pitchFamily="34" charset="0"/>
+              <a:buChar char="•"/>
+            </a:pPr>
+            <a:r>
+              <a:rPr lang="en-US" sz="2200" b="0" i="0" dirty="0">
+                <a:solidFill>
+                  <a:srgbClr val="000000"/>
+                </a:solidFill>
+                <a:effectLst/>
+              </a:rPr>
+              <a:t>Involves lots of </a:t>
+            </a:r>
+            <a:r>
+              <a:rPr lang="en-US" sz="2200" b="0" i="0" dirty="0">
+                <a:solidFill>
+                  <a:srgbClr val="0000FF"/>
+                </a:solidFill>
+                <a:effectLst/>
+              </a:rPr>
+              <a:t>work for routers</a:t>
+            </a:r>
+            <a:r>
+              <a:rPr lang="en-US" sz="2200" b="0" i="0" dirty="0">
+                <a:solidFill>
+                  <a:srgbClr val="000000"/>
+                </a:solidFill>
+                <a:effectLst/>
+              </a:rPr>
+              <a:t>, </a:t>
+            </a:r>
+            <a:r>
+              <a:rPr lang="en-US" sz="2200" b="0" i="0" dirty="0">
+                <a:solidFill>
+                  <a:srgbClr val="0000FF"/>
+                </a:solidFill>
+                <a:effectLst/>
+              </a:rPr>
+              <a:t>especially for large networks</a:t>
+            </a:r>
+          </a:p>
+          <a:p>
+            <a:pPr marL="698500" lvl="1" indent="-342900" algn="just">
+              <a:spcAft>
+                <a:spcPts val="600"/>
+              </a:spcAft>
+              <a:buFont typeface="Arial" panose="020B0604020202020204" pitchFamily="34" charset="0"/>
+              <a:buChar char="•"/>
+            </a:pPr>
+            <a:r>
+              <a:rPr lang="en-US" sz="2200" b="0" i="0" dirty="0">
+                <a:solidFill>
+                  <a:srgbClr val="000000"/>
+                </a:solidFill>
+                <a:effectLst/>
+              </a:rPr>
+              <a:t>For example, there are </a:t>
+            </a:r>
+            <a:r>
+              <a:rPr lang="en-US" sz="2200" b="0" i="0" dirty="0">
+                <a:solidFill>
+                  <a:srgbClr val="0000FF"/>
+                </a:solidFill>
+                <a:effectLst/>
+              </a:rPr>
+              <a:t>n</a:t>
+            </a:r>
+            <a:r>
+              <a:rPr lang="en-US" sz="2200" b="0" i="0" dirty="0">
+                <a:solidFill>
+                  <a:srgbClr val="000000"/>
+                </a:solidFill>
+                <a:effectLst/>
+              </a:rPr>
+              <a:t> groups with average of </a:t>
+            </a:r>
+            <a:r>
+              <a:rPr lang="en-US" sz="2200" b="0" i="0" dirty="0">
+                <a:solidFill>
+                  <a:srgbClr val="0000FF"/>
+                </a:solidFill>
+                <a:effectLst/>
+              </a:rPr>
+              <a:t>m</a:t>
+            </a:r>
+            <a:r>
+              <a:rPr lang="en-US" sz="2200" b="0" i="0" dirty="0">
+                <a:solidFill>
+                  <a:srgbClr val="000000"/>
+                </a:solidFill>
+                <a:effectLst/>
+              </a:rPr>
+              <a:t> nodes in each group, each router and for each group, m pruned spanning trees must be stored, for a total of </a:t>
+            </a:r>
+            <a:r>
+              <a:rPr lang="en-US" sz="2200" b="0" i="0" dirty="0">
+                <a:solidFill>
+                  <a:srgbClr val="0000FF"/>
+                </a:solidFill>
+                <a:effectLst/>
+              </a:rPr>
+              <a:t>m*n </a:t>
+            </a:r>
+            <a:r>
+              <a:rPr lang="en-US" sz="2200" b="0" i="0" dirty="0">
+                <a:solidFill>
+                  <a:srgbClr val="000000"/>
+                </a:solidFill>
+                <a:effectLst/>
+              </a:rPr>
+              <a:t>trees </a:t>
+            </a:r>
+          </a:p>
+          <a:p>
+            <a:pPr marL="698500" lvl="1" indent="-342900" algn="just">
+              <a:spcAft>
+                <a:spcPts val="600"/>
+              </a:spcAft>
+              <a:buFont typeface="Arial" panose="020B0604020202020204" pitchFamily="34" charset="0"/>
+              <a:buChar char="•"/>
+            </a:pPr>
+            <a:r>
+              <a:rPr lang="en-US" sz="2200" b="0" i="0" dirty="0">
+                <a:solidFill>
+                  <a:srgbClr val="000000"/>
+                </a:solidFill>
+                <a:effectLst/>
+              </a:rPr>
+              <a:t>Considerable storage is needed to store all the trees</a:t>
+            </a:r>
+            <a:r>
+              <a:rPr lang="en-US" sz="2200" dirty="0"/>
+              <a:t> </a:t>
+            </a:r>
+            <a:endParaRPr lang="en-IN" sz="2300" dirty="0">
+              <a:solidFill>
+                <a:srgbClr val="000000"/>
+              </a:solidFill>
+            </a:endParaRPr>
+          </a:p>
+        </p:txBody>
+      </p:sp>
+      <p:sp>
+        <p:nvSpPr>
+          <p:cNvPr id="5" name="TextBox 4">
+            <a:extLst>
+              <a:ext uri="{FF2B5EF4-FFF2-40B4-BE49-F238E27FC236}">
+                <a16:creationId xmlns:a16="http://schemas.microsoft.com/office/drawing/2014/main" id="{BC77AED3-CD66-DFC7-BE22-49C2598343AD}"/>
+              </a:ext>
+            </a:extLst>
+          </p:cNvPr>
+          <p:cNvSpPr txBox="1"/>
+          <p:nvPr/>
+        </p:nvSpPr>
+        <p:spPr>
+          <a:xfrm>
+            <a:off x="591880" y="3223013"/>
+            <a:ext cx="10906701" cy="1477328"/>
+          </a:xfrm>
+          <a:prstGeom prst="rect">
+            <a:avLst/>
+          </a:prstGeom>
+          <a:noFill/>
+        </p:spPr>
+        <p:txBody>
+          <a:bodyPr wrap="square">
+            <a:spAutoFit/>
+          </a:bodyPr>
+          <a:lstStyle/>
+          <a:p>
+            <a:pPr marL="285750" indent="-285750">
+              <a:spcAft>
+                <a:spcPts val="600"/>
+              </a:spcAft>
+              <a:buFont typeface="Wingdings" panose="05000000000000000000" pitchFamily="2" charset="2"/>
+              <a:buChar char="§"/>
+            </a:pPr>
+            <a:r>
+              <a:rPr lang="en-US" sz="2300" b="1" i="0" dirty="0">
+                <a:solidFill>
+                  <a:srgbClr val="000000"/>
+                </a:solidFill>
+                <a:effectLst/>
+              </a:rPr>
+              <a:t>Core-based trees to compute a single spanning tree for the group</a:t>
+            </a:r>
+            <a:endParaRPr lang="en-US" sz="2300" dirty="0">
+              <a:solidFill>
+                <a:srgbClr val="000000"/>
+              </a:solidFill>
+            </a:endParaRPr>
+          </a:p>
+          <a:p>
+            <a:pPr marL="606425" lvl="1" indent="-342900">
+              <a:buFont typeface="Arial" panose="020B0604020202020204" pitchFamily="34" charset="0"/>
+              <a:buChar char="•"/>
+            </a:pPr>
+            <a:r>
+              <a:rPr lang="en-US" sz="2200" b="0" i="0" dirty="0">
+                <a:solidFill>
+                  <a:srgbClr val="000000"/>
+                </a:solidFill>
+                <a:effectLst/>
+              </a:rPr>
+              <a:t>All of the routers agree on a root (called the core or rendezvous point) and build the tree by sending a packet from each member to the root</a:t>
+            </a:r>
+            <a:r>
+              <a:rPr lang="en-US" sz="2200" dirty="0"/>
+              <a:t> </a:t>
+            </a:r>
+            <a:br>
+              <a:rPr lang="en-US" dirty="0"/>
+            </a:br>
+            <a:endParaRPr lang="en-IN" dirty="0"/>
+          </a:p>
+        </p:txBody>
+      </p:sp>
+      <p:pic>
+        <p:nvPicPr>
+          <p:cNvPr id="7" name="Picture 6">
+            <a:extLst>
+              <a:ext uri="{FF2B5EF4-FFF2-40B4-BE49-F238E27FC236}">
+                <a16:creationId xmlns:a16="http://schemas.microsoft.com/office/drawing/2014/main" id="{B92CB66A-F501-8DA8-38C5-7951E4643DC9}"/>
+              </a:ext>
+            </a:extLst>
+          </p:cNvPr>
+          <p:cNvPicPr>
+            <a:picLocks noChangeAspect="1"/>
+          </p:cNvPicPr>
+          <p:nvPr/>
+        </p:nvPicPr>
+        <p:blipFill>
+          <a:blip r:embed="rId2"/>
+          <a:stretch>
+            <a:fillRect/>
+          </a:stretch>
+        </p:blipFill>
+        <p:spPr>
+          <a:xfrm>
+            <a:off x="2814320" y="4410562"/>
+            <a:ext cx="5679440" cy="2075871"/>
+          </a:xfrm>
+          <a:prstGeom prst="rect">
+            <a:avLst/>
+          </a:prstGeom>
+        </p:spPr>
+      </p:pic>
+    </p:spTree>
+    <p:extLst>
+      <p:ext uri="{BB962C8B-B14F-4D97-AF65-F5344CB8AC3E}">
+        <p14:creationId xmlns:p14="http://schemas.microsoft.com/office/powerpoint/2010/main" val="2263410548"/>
+      </p:ext>
+    </p:extLst>
+  </p:cSld>
+  <p:clrMapOvr>
+    <a:masterClrMapping/>
+  </p:clrMapOvr>
+</p:sld>
+</file>
+
+<file path=ppt/slides/slide58.xml><?xml version="1.0" encoding="utf-8"?>
+<p:sld xmlns:a="http://schemas.openxmlformats.org/drawingml/2006/main" xmlns:r="http://schemas.openxmlformats.org/officeDocument/2006/relationships" xmlns:p="http://schemas.openxmlformats.org/presentationml/2006/main">
+  <p:cSld>
+    <p:spTree>
+      <p:nvGrpSpPr>
+        <p:cNvPr id="1" name=""/>
+        <p:cNvGrpSpPr/>
+        <p:nvPr/>
+      </p:nvGrpSpPr>
+      <p:grpSpPr>
+        <a:xfrm>
+          <a:off x="0" y="0"/>
+          <a:ext cx="0" cy="0"/>
+          <a:chOff x="0" y="0"/>
+          <a:chExt cx="0" cy="0"/>
+        </a:xfrm>
+      </p:grpSpPr>
+      <p:sp>
+        <p:nvSpPr>
+          <p:cNvPr id="2" name="Title 1">
+            <a:extLst>
+              <a:ext uri="{FF2B5EF4-FFF2-40B4-BE49-F238E27FC236}">
+                <a16:creationId xmlns:a16="http://schemas.microsoft.com/office/drawing/2014/main" id="{22AF8A9F-6941-9868-D735-B4A50E5D576C}"/>
+              </a:ext>
+            </a:extLst>
+          </p:cNvPr>
+          <p:cNvSpPr>
+            <a:spLocks noGrp="1"/>
+          </p:cNvSpPr>
+          <p:nvPr>
+            <p:ph type="title"/>
+          </p:nvPr>
+        </p:nvSpPr>
+        <p:spPr>
+          <a:xfrm>
+            <a:off x="693421" y="133798"/>
+            <a:ext cx="10805160" cy="618581"/>
+          </a:xfrm>
+        </p:spPr>
+        <p:txBody>
+          <a:bodyPr>
+            <a:normAutofit/>
+          </a:bodyPr>
+          <a:lstStyle/>
+          <a:p>
+            <a:r>
+              <a:rPr lang="en-US" dirty="0"/>
+              <a:t>Routing Algorithms (Contd.)</a:t>
+            </a:r>
+            <a:endParaRPr lang="en-IN" dirty="0"/>
+          </a:p>
+        </p:txBody>
+      </p:sp>
+      <p:sp>
+        <p:nvSpPr>
+          <p:cNvPr id="4" name="TextBox 3">
+            <a:extLst>
+              <a:ext uri="{FF2B5EF4-FFF2-40B4-BE49-F238E27FC236}">
+                <a16:creationId xmlns:a16="http://schemas.microsoft.com/office/drawing/2014/main" id="{10F49791-E169-FC14-2F87-8D5F316B0D72}"/>
+              </a:ext>
+            </a:extLst>
+          </p:cNvPr>
+          <p:cNvSpPr txBox="1"/>
+          <p:nvPr/>
+        </p:nvSpPr>
+        <p:spPr>
+          <a:xfrm>
+            <a:off x="602037" y="784455"/>
+            <a:ext cx="10906702" cy="446276"/>
+          </a:xfrm>
+          <a:prstGeom prst="rect">
+            <a:avLst/>
+          </a:prstGeom>
+          <a:noFill/>
+        </p:spPr>
+        <p:txBody>
+          <a:bodyPr wrap="square">
+            <a:spAutoFit/>
+          </a:bodyPr>
+          <a:lstStyle/>
+          <a:p>
+            <a:pPr>
+              <a:spcAft>
+                <a:spcPts val="600"/>
+              </a:spcAft>
+            </a:pPr>
+            <a:r>
+              <a:rPr lang="en-IN" sz="2300" b="1" dirty="0">
+                <a:solidFill>
+                  <a:srgbClr val="C00000"/>
+                </a:solidFill>
+              </a:rPr>
+              <a:t>Multicast Routing: </a:t>
+            </a:r>
+            <a:r>
+              <a:rPr lang="en-US" sz="2300" b="1" dirty="0">
+                <a:solidFill>
+                  <a:srgbClr val="C00000"/>
+                </a:solidFill>
+              </a:rPr>
+              <a:t>Ways to Prune a spanning Tree </a:t>
+            </a:r>
+            <a:endParaRPr lang="en-IN" sz="2300" b="1" dirty="0">
+              <a:solidFill>
+                <a:srgbClr val="C00000"/>
+              </a:solidFill>
+            </a:endParaRPr>
+          </a:p>
+        </p:txBody>
+      </p:sp>
+      <p:sp>
+        <p:nvSpPr>
           <p:cNvPr id="5" name="TextBox 4">
             <a:extLst>
               <a:ext uri="{FF2B5EF4-FFF2-40B4-BE49-F238E27FC236}">
@@ -18778,7 +19072,7 @@
 </p:sld>
 </file>
 
-<file path=ppt/slides/slide58.xml><?xml version="1.0" encoding="utf-8"?>
+<file path=ppt/slides/slide59.xml><?xml version="1.0" encoding="utf-8"?>
 <p:sld xmlns:a="http://schemas.openxmlformats.org/drawingml/2006/main" xmlns:r="http://schemas.openxmlformats.org/officeDocument/2006/relationships" xmlns:p="http://schemas.openxmlformats.org/presentationml/2006/main">
   <p:cSld>
     <p:spTree>
